--- a/Segmentação de Imagens – Ground Truth.pptx
+++ b/Segmentação de Imagens – Ground Truth.pptx
@@ -237,7 +237,7 @@
             <a:pPr rtl="0"/>
             <a:fld id="{32F00964-9811-44C1-A81C-C667F3DD6F99}" type="datetime1">
               <a:rPr lang="pt-BR" smtClean="0"/>
-              <a:t>07/05/2023</a:t>
+              <a:t>08/05/2023</a:t>
             </a:fld>
             <a:endParaRPr lang="pt-BR"/>
           </a:p>
@@ -419,7 +419,7 @@
             <a:fld id="{AAEA98BB-A7B2-4524-A183-CCEB3669CDC2}" type="datetime1">
               <a:rPr lang="pt-BR" smtClean="0"/>
               <a:pPr/>
-              <a:t>07/05/2023</a:t>
+              <a:t>08/05/2023</a:t>
             </a:fld>
             <a:endParaRPr lang="pt-BR" dirty="0"/>
           </a:p>
@@ -2250,7 +2250,7 @@
             <a:pPr rtl="0"/>
             <a:fld id="{832444F7-598B-4910-BB28-F5EBFBE23847}" type="datetime1">
               <a:rPr lang="pt-BR" noProof="0" smtClean="0"/>
-              <a:t>07/05/2023</a:t>
+              <a:t>08/05/2023</a:t>
             </a:fld>
             <a:endParaRPr lang="pt-BR" noProof="0"/>
           </a:p>
@@ -3136,7 +3136,7 @@
             <a:pPr rtl="0"/>
             <a:fld id="{64DA45B4-095F-41D7-B671-00B667E5CA36}" type="datetime1">
               <a:rPr lang="pt-BR" noProof="0" smtClean="0"/>
-              <a:t>07/05/2023</a:t>
+              <a:t>08/05/2023</a:t>
             </a:fld>
             <a:endParaRPr lang="pt-BR" noProof="0"/>
           </a:p>
@@ -4311,7 +4311,7 @@
             <a:pPr rtl="0"/>
             <a:fld id="{89C0E2A7-54D9-488F-B54C-03A3336A11F7}" type="datetime1">
               <a:rPr lang="pt-BR" noProof="0" smtClean="0"/>
-              <a:t>07/05/2023</a:t>
+              <a:t>08/05/2023</a:t>
             </a:fld>
             <a:endParaRPr lang="pt-BR" noProof="0"/>
           </a:p>
@@ -6387,7 +6387,7 @@
             <a:pPr rtl="0"/>
             <a:fld id="{22A5EFBC-485C-454D-BDFD-468C8BAF5548}" type="datetime1">
               <a:rPr lang="pt-BR" noProof="0" smtClean="0"/>
-              <a:t>07/05/2023</a:t>
+              <a:t>08/05/2023</a:t>
             </a:fld>
             <a:endParaRPr lang="pt-BR" noProof="0"/>
           </a:p>
@@ -7107,7 +7107,7 @@
             <a:pPr rtl="0"/>
             <a:fld id="{91D46E6A-7AB6-42FA-9FB4-5B5C0A5DFEBB}" type="datetime1">
               <a:rPr lang="pt-BR" noProof="0" smtClean="0"/>
-              <a:t>07/05/2023</a:t>
+              <a:t>08/05/2023</a:t>
             </a:fld>
             <a:endParaRPr lang="pt-BR" noProof="0"/>
           </a:p>
@@ -8336,7 +8336,7 @@
             <a:pPr rtl="0"/>
             <a:fld id="{2FB93632-6B7A-4A0A-A735-8D3014D14DB1}" type="datetime1">
               <a:rPr lang="pt-BR" noProof="0" smtClean="0"/>
-              <a:t>07/05/2023</a:t>
+              <a:t>08/05/2023</a:t>
             </a:fld>
             <a:endParaRPr lang="pt-BR" noProof="0"/>
           </a:p>
@@ -8929,7 +8929,7 @@
             <a:pPr rtl="0"/>
             <a:fld id="{3227D7EE-239B-44FB-9875-7475C9D92D30}" type="datetime1">
               <a:rPr lang="pt-BR" noProof="0" smtClean="0"/>
-              <a:t>07/05/2023</a:t>
+              <a:t>08/05/2023</a:t>
             </a:fld>
             <a:endParaRPr lang="pt-BR" noProof="0"/>
           </a:p>
@@ -9404,7 +9404,7 @@
             <a:pPr rtl="0"/>
             <a:fld id="{C9219B3A-C8C6-4986-A6D6-3257321F5D38}" type="datetime1">
               <a:rPr lang="pt-BR" noProof="0" smtClean="0"/>
-              <a:t>07/05/2023</a:t>
+              <a:t>08/05/2023</a:t>
             </a:fld>
             <a:endParaRPr lang="pt-BR" noProof="0"/>
           </a:p>
@@ -10256,7 +10256,7 @@
             <a:pPr rtl="0"/>
             <a:fld id="{C972B85E-05B2-4334-B4CD-038D5EA45FB2}" type="datetime1">
               <a:rPr lang="pt-BR" noProof="0" smtClean="0"/>
-              <a:t>07/05/2023</a:t>
+              <a:t>08/05/2023</a:t>
             </a:fld>
             <a:endParaRPr lang="pt-BR" noProof="0"/>
           </a:p>
@@ -12483,7 +12483,7 @@
             <a:pPr rtl="0"/>
             <a:fld id="{0443E58E-D40B-4905-A767-9365A3358898}" type="datetime1">
               <a:rPr lang="pt-BR" noProof="0" smtClean="0"/>
-              <a:t>07/05/2023</a:t>
+              <a:t>08/05/2023</a:t>
             </a:fld>
             <a:endParaRPr lang="pt-BR" noProof="0"/>
           </a:p>
@@ -12755,7 +12755,7 @@
             <a:pPr rtl="0"/>
             <a:fld id="{620EC1FB-014E-4551-93D1-753466E4566C}" type="datetime1">
               <a:rPr lang="pt-BR" noProof="0" smtClean="0"/>
-              <a:t>07/05/2023</a:t>
+              <a:t>08/05/2023</a:t>
             </a:fld>
             <a:endParaRPr lang="pt-BR" noProof="0"/>
           </a:p>
@@ -17876,6 +17876,25 @@
 </file>
 
 <file path=customXml/item1.xml><?xml version="1.0" encoding="utf-8"?>
+<p:properties xmlns:p="http://schemas.microsoft.com/office/2006/metadata/properties" xmlns:xsi="http://www.w3.org/2001/XMLSchema-instance" xmlns:pc="http://schemas.microsoft.com/office/infopath/2007/PartnerControls">
+  <documentManagement>
+    <_ip_UnifiedCompliancePolicyUIAction xmlns="http://schemas.microsoft.com/sharepoint/v3" xsi:nil="true"/>
+    <Image xmlns="71af3243-3dd4-4a8d-8c0d-dd76da1f02a5">
+      <Url xsi:nil="true"/>
+      <Description xsi:nil="true"/>
+    </Image>
+    <Status xmlns="71af3243-3dd4-4a8d-8c0d-dd76da1f02a5">Not started</Status>
+    <_ip_UnifiedCompliancePolicyProperties xmlns="http://schemas.microsoft.com/sharepoint/v3" xsi:nil="true"/>
+    <ImageTagsTaxHTField xmlns="71af3243-3dd4-4a8d-8c0d-dd76da1f02a5">
+      <Terms xmlns="http://schemas.microsoft.com/office/infopath/2007/PartnerControls"/>
+    </ImageTagsTaxHTField>
+    <TaxCatchAll xmlns="230e9df3-be65-4c73-a93b-d1236ebd677e"/>
+    <MediaServiceKeyPoints xmlns="71af3243-3dd4-4a8d-8c0d-dd76da1f02a5" xsi:nil="true"/>
+  </documentManagement>
+</p:properties>
+</file>
+
+<file path=customXml/item2.xml><?xml version="1.0" encoding="utf-8"?>
 <ct:contentTypeSchema xmlns:ct="http://schemas.microsoft.com/office/2006/metadata/contentType" xmlns:ma="http://schemas.microsoft.com/office/2006/metadata/properties/metaAttributes" ct:_="" ma:_="" ma:contentTypeName="Document" ma:contentTypeID="0x01010079F111ED35F8CC479449609E8A0923A6" ma:contentTypeVersion="21" ma:contentTypeDescription="Create a new document." ma:contentTypeScope="" ma:versionID="64dfb1555687e0874b4304b796b5b0c7">
   <xsd:schema xmlns:xsd="http://www.w3.org/2001/XMLSchema" xmlns:xs="http://www.w3.org/2001/XMLSchema" xmlns:p="http://schemas.microsoft.com/office/2006/metadata/properties" xmlns:ns1="http://schemas.microsoft.com/sharepoint/v3" xmlns:ns2="71af3243-3dd4-4a8d-8c0d-dd76da1f02a5" xmlns:ns3="16c05727-aa75-4e4a-9b5f-8a80a1165891" xmlns:ns4="230e9df3-be65-4c73-a93b-d1236ebd677e" targetNamespace="http://schemas.microsoft.com/office/2006/metadata/properties" ma:root="true" ma:fieldsID="e6e4c555b5e194d05b7203de9c4567b3" ns1:_="" ns2:_="" ns3:_="" ns4:_="">
     <xsd:import namespace="http://schemas.microsoft.com/sharepoint/v3"/>
@@ -18157,25 +18176,6 @@
 </ct:contentTypeSchema>
 </file>
 
-<file path=customXml/item2.xml><?xml version="1.0" encoding="utf-8"?>
-<p:properties xmlns:p="http://schemas.microsoft.com/office/2006/metadata/properties" xmlns:xsi="http://www.w3.org/2001/XMLSchema-instance" xmlns:pc="http://schemas.microsoft.com/office/infopath/2007/PartnerControls">
-  <documentManagement>
-    <_ip_UnifiedCompliancePolicyUIAction xmlns="http://schemas.microsoft.com/sharepoint/v3" xsi:nil="true"/>
-    <Image xmlns="71af3243-3dd4-4a8d-8c0d-dd76da1f02a5">
-      <Url xsi:nil="true"/>
-      <Description xsi:nil="true"/>
-    </Image>
-    <Status xmlns="71af3243-3dd4-4a8d-8c0d-dd76da1f02a5">Not started</Status>
-    <_ip_UnifiedCompliancePolicyProperties xmlns="http://schemas.microsoft.com/sharepoint/v3" xsi:nil="true"/>
-    <ImageTagsTaxHTField xmlns="71af3243-3dd4-4a8d-8c0d-dd76da1f02a5">
-      <Terms xmlns="http://schemas.microsoft.com/office/infopath/2007/PartnerControls"/>
-    </ImageTagsTaxHTField>
-    <TaxCatchAll xmlns="230e9df3-be65-4c73-a93b-d1236ebd677e"/>
-    <MediaServiceKeyPoints xmlns="71af3243-3dd4-4a8d-8c0d-dd76da1f02a5" xsi:nil="true"/>
-  </documentManagement>
-</p:properties>
-</file>
-
 <file path=customXml/item3.xml><?xml version="1.0" encoding="utf-8"?>
 <?mso-contentType ?>
 <FormTemplates xmlns="http://schemas.microsoft.com/sharepoint/v3/contenttype/forms">
@@ -18186,6 +18186,18 @@
 </file>
 
 <file path=customXml/itemProps1.xml><?xml version="1.0" encoding="utf-8"?>
+<ds:datastoreItem xmlns:ds="http://schemas.openxmlformats.org/officeDocument/2006/customXml" ds:itemID="{4D5BAB77-79E1-4739-AA51-10C9079186D6}">
+  <ds:schemaRefs>
+    <ds:schemaRef ds:uri="http://schemas.microsoft.com/office/2006/metadata/properties"/>
+    <ds:schemaRef ds:uri="http://schemas.microsoft.com/office/infopath/2007/PartnerControls"/>
+    <ds:schemaRef ds:uri="http://schemas.microsoft.com/sharepoint/v3"/>
+    <ds:schemaRef ds:uri="71af3243-3dd4-4a8d-8c0d-dd76da1f02a5"/>
+    <ds:schemaRef ds:uri="230e9df3-be65-4c73-a93b-d1236ebd677e"/>
+  </ds:schemaRefs>
+</ds:datastoreItem>
+</file>
+
+<file path=customXml/itemProps2.xml><?xml version="1.0" encoding="utf-8"?>
 <ds:datastoreItem xmlns:ds="http://schemas.openxmlformats.org/officeDocument/2006/customXml" ds:itemID="{4A615295-94F6-4CE2-A1B1-6B7E1DAA5AD6}">
   <ds:schemaRefs>
     <ds:schemaRef ds:uri="http://schemas.microsoft.com/office/2006/metadata/contentType"/>
@@ -18206,18 +18218,6 @@
 </ds:datastoreItem>
 </file>
 
-<file path=customXml/itemProps2.xml><?xml version="1.0" encoding="utf-8"?>
-<ds:datastoreItem xmlns:ds="http://schemas.openxmlformats.org/officeDocument/2006/customXml" ds:itemID="{4D5BAB77-79E1-4739-AA51-10C9079186D6}">
-  <ds:schemaRefs>
-    <ds:schemaRef ds:uri="http://schemas.microsoft.com/office/2006/metadata/properties"/>
-    <ds:schemaRef ds:uri="http://schemas.microsoft.com/office/infopath/2007/PartnerControls"/>
-    <ds:schemaRef ds:uri="http://schemas.microsoft.com/sharepoint/v3"/>
-    <ds:schemaRef ds:uri="71af3243-3dd4-4a8d-8c0d-dd76da1f02a5"/>
-    <ds:schemaRef ds:uri="230e9df3-be65-4c73-a93b-d1236ebd677e"/>
-  </ds:schemaRefs>
-</ds:datastoreItem>
-</file>
-
 <file path=customXml/itemProps3.xml><?xml version="1.0" encoding="utf-8"?>
 <ds:datastoreItem xmlns:ds="http://schemas.openxmlformats.org/officeDocument/2006/customXml" ds:itemID="{85334180-0405-413B-834A-44FA9E05ADB7}">
   <ds:schemaRefs>
